--- a/E23C1006-八木琢磨.pptx
+++ b/E23C1006-八木琢磨.pptx
@@ -10,6 +10,7 @@
     <p:sldId id="259" r:id="rId4"/>
     <p:sldId id="258" r:id="rId5"/>
     <p:sldId id="260" r:id="rId6"/>
+    <p:sldId id="263" r:id="rId7"/>
   </p:sldIdLst>
   <p:sldSz cx="12192000" cy="6858000"/>
   <p:notesSz cx="6858000" cy="9144000"/>
@@ -108,6 +109,11 @@
       </a:defRPr>
     </a:lvl9pPr>
   </p:defaultTextStyle>
+  <p:extLst>
+    <p:ext uri="{EFAFB233-063F-42B5-8137-9DF3F51BA10A}">
+      <p15:sldGuideLst xmlns:p15="http://schemas.microsoft.com/office/powerpoint/2012/main"/>
+    </p:ext>
+  </p:extLst>
 </p:presentation>
 </file>
 
@@ -274,7 +280,7 @@
           <a:p>
             <a:fld id="{E6171E64-FE02-4DE5-B72F-53C3706641C3}" type="datetimeFigureOut">
               <a:rPr lang="en-US" smtClean="0"/>
-              <a:t>1/16/2025</a:t>
+              <a:t>1/23/2025</a:t>
             </a:fld>
             <a:endParaRPr lang="en-US"/>
           </a:p>
@@ -476,7 +482,7 @@
           <a:p>
             <a:fld id="{E6171E64-FE02-4DE5-B72F-53C3706641C3}" type="datetimeFigureOut">
               <a:rPr lang="en-US" smtClean="0"/>
-              <a:t>1/16/2025</a:t>
+              <a:t>1/23/2025</a:t>
             </a:fld>
             <a:endParaRPr lang="en-US"/>
           </a:p>
@@ -688,7 +694,7 @@
           <a:p>
             <a:fld id="{E6171E64-FE02-4DE5-B72F-53C3706641C3}" type="datetimeFigureOut">
               <a:rPr lang="en-US" smtClean="0"/>
-              <a:t>1/16/2025</a:t>
+              <a:t>1/23/2025</a:t>
             </a:fld>
             <a:endParaRPr lang="en-US"/>
           </a:p>
@@ -890,7 +896,7 @@
           <a:p>
             <a:fld id="{E6171E64-FE02-4DE5-B72F-53C3706641C3}" type="datetimeFigureOut">
               <a:rPr lang="en-US" smtClean="0"/>
-              <a:t>1/16/2025</a:t>
+              <a:t>1/23/2025</a:t>
             </a:fld>
             <a:endParaRPr lang="en-US"/>
           </a:p>
@@ -1158,7 +1164,7 @@
           <a:p>
             <a:fld id="{E6171E64-FE02-4DE5-B72F-53C3706641C3}" type="datetimeFigureOut">
               <a:rPr lang="en-US" smtClean="0"/>
-              <a:t>1/16/2025</a:t>
+              <a:t>1/23/2025</a:t>
             </a:fld>
             <a:endParaRPr lang="en-US"/>
           </a:p>
@@ -1454,7 +1460,7 @@
           <a:p>
             <a:fld id="{E6171E64-FE02-4DE5-B72F-53C3706641C3}" type="datetimeFigureOut">
               <a:rPr lang="en-US" smtClean="0"/>
-              <a:t>1/16/2025</a:t>
+              <a:t>1/23/2025</a:t>
             </a:fld>
             <a:endParaRPr lang="en-US"/>
           </a:p>
@@ -1877,7 +1883,7 @@
           <a:p>
             <a:fld id="{E6171E64-FE02-4DE5-B72F-53C3706641C3}" type="datetimeFigureOut">
               <a:rPr lang="en-US" smtClean="0"/>
-              <a:t>1/16/2025</a:t>
+              <a:t>1/23/2025</a:t>
             </a:fld>
             <a:endParaRPr lang="en-US"/>
           </a:p>
@@ -2018,7 +2024,7 @@
           <a:p>
             <a:fld id="{E6171E64-FE02-4DE5-B72F-53C3706641C3}" type="datetimeFigureOut">
               <a:rPr lang="en-US" smtClean="0"/>
-              <a:t>1/16/2025</a:t>
+              <a:t>1/23/2025</a:t>
             </a:fld>
             <a:endParaRPr lang="en-US"/>
           </a:p>
@@ -2113,7 +2119,7 @@
           <a:p>
             <a:fld id="{E6171E64-FE02-4DE5-B72F-53C3706641C3}" type="datetimeFigureOut">
               <a:rPr lang="en-US" smtClean="0"/>
-              <a:t>1/16/2025</a:t>
+              <a:t>1/23/2025</a:t>
             </a:fld>
             <a:endParaRPr lang="en-US"/>
           </a:p>
@@ -2502,7 +2508,7 @@
           <a:p>
             <a:fld id="{E6171E64-FE02-4DE5-B72F-53C3706641C3}" type="datetimeFigureOut">
               <a:rPr lang="en-US" smtClean="0"/>
-              <a:t>1/16/2025</a:t>
+              <a:t>1/23/2025</a:t>
             </a:fld>
             <a:endParaRPr lang="en-US"/>
           </a:p>
@@ -2859,7 +2865,7 @@
           <a:p>
             <a:fld id="{E6171E64-FE02-4DE5-B72F-53C3706641C3}" type="datetimeFigureOut">
               <a:rPr lang="en-US" smtClean="0"/>
-              <a:t>1/16/2025</a:t>
+              <a:t>1/23/2025</a:t>
             </a:fld>
             <a:endParaRPr lang="en-US"/>
           </a:p>
@@ -3133,7 +3139,7 @@
           <a:p>
             <a:fld id="{E6171E64-FE02-4DE5-B72F-53C3706641C3}" type="datetimeFigureOut">
               <a:rPr lang="en-US" smtClean="0"/>
-              <a:t>1/16/2025</a:t>
+              <a:t>1/23/2025</a:t>
             </a:fld>
             <a:endParaRPr lang="en-US"/>
           </a:p>
@@ -4028,7 +4034,7 @@
             </a:pPr>
             <a:r>
               <a:rPr lang="ja-JP" altLang="en-US" dirty="0"/>
-              <a:t>・一年生の時にやった</a:t>
+              <a:t>・去年受けた</a:t>
             </a:r>
             <a:r>
               <a:rPr lang="en-US" altLang="ja-JP" dirty="0"/>
@@ -4973,6 +4979,428 @@
     <p:extLst>
       <p:ext uri="{BB962C8B-B14F-4D97-AF65-F5344CB8AC3E}">
         <p14:creationId xmlns:p14="http://schemas.microsoft.com/office/powerpoint/2010/main" val="1720234201"/>
+      </p:ext>
+    </p:extLst>
+  </p:cSld>
+  <p:clrMapOvr>
+    <a:masterClrMapping/>
+  </p:clrMapOvr>
+</p:sld>
+</file>
+
+<file path=ppt/slides/slide6.xml><?xml version="1.0" encoding="utf-8"?>
+<p:sld xmlns:a="http://schemas.openxmlformats.org/drawingml/2006/main" xmlns:r="http://schemas.openxmlformats.org/officeDocument/2006/relationships" xmlns:p="http://schemas.openxmlformats.org/presentationml/2006/main">
+  <p:cSld>
+    <p:bg>
+      <p:bgPr>
+        <a:solidFill>
+          <a:schemeClr val="bg1"/>
+        </a:solidFill>
+        <a:effectLst/>
+      </p:bgPr>
+    </p:bg>
+    <p:spTree>
+      <p:nvGrpSpPr>
+        <p:cNvPr id="1" name="">
+          <a:extLst>
+            <a:ext uri="{FF2B5EF4-FFF2-40B4-BE49-F238E27FC236}">
+              <a16:creationId xmlns:a16="http://schemas.microsoft.com/office/drawing/2014/main" id="{5385DF56-BE54-4220-3AFC-6129B7C3B424}"/>
+            </a:ext>
+          </a:extLst>
+        </p:cNvPr>
+        <p:cNvGrpSpPr/>
+        <p:nvPr/>
+      </p:nvGrpSpPr>
+      <p:grpSpPr>
+        <a:xfrm>
+          <a:off x="0" y="0"/>
+          <a:ext cx="0" cy="0"/>
+          <a:chOff x="0" y="0"/>
+          <a:chExt cx="0" cy="0"/>
+        </a:xfrm>
+      </p:grpSpPr>
+      <p:sp>
+        <p:nvSpPr>
+          <p:cNvPr id="8" name="Rectangle 7">
+            <a:extLst>
+              <a:ext uri="{FF2B5EF4-FFF2-40B4-BE49-F238E27FC236}">
+                <a16:creationId xmlns:a16="http://schemas.microsoft.com/office/drawing/2014/main" id="{CB018205-D4A8-64D7-5665-835F580B1B08}"/>
+              </a:ext>
+              <a:ext uri="{C183D7F6-B498-43B3-948B-1728B52AA6E4}">
+                <adec:decorative xmlns:adec="http://schemas.microsoft.com/office/drawing/2017/decorative" val="1"/>
+              </a:ext>
+            </a:extLst>
+          </p:cNvPr>
+          <p:cNvSpPr>
+            <a:spLocks noGrp="1" noRot="1" noChangeAspect="1" noMove="1" noResize="1" noEditPoints="1" noAdjustHandles="1" noChangeArrowheads="1" noChangeShapeType="1" noTextEdit="1"/>
+          </p:cNvSpPr>
+          <p:nvPr>
+            <p:extLst>
+              <p:ext uri="{386F3935-93C4-4BCD-93E2-E3B085C9AB24}">
+                <p16:designElem xmlns:p16="http://schemas.microsoft.com/office/powerpoint/2015/main" val="1"/>
+              </p:ext>
+            </p:extLst>
+          </p:nvPr>
+        </p:nvSpPr>
+        <p:spPr>
+          <a:xfrm>
+            <a:off x="0" y="0"/>
+            <a:ext cx="12192000" cy="6858000"/>
+          </a:xfrm>
+          <a:prstGeom prst="rect">
+            <a:avLst/>
+          </a:prstGeom>
+          <a:solidFill>
+            <a:schemeClr val="accent2"/>
+          </a:solidFill>
+          <a:ln>
+            <a:noFill/>
+          </a:ln>
+        </p:spPr>
+        <p:style>
+          <a:lnRef idx="2">
+            <a:schemeClr val="accent1">
+              <a:shade val="50000"/>
+            </a:schemeClr>
+          </a:lnRef>
+          <a:fillRef idx="1">
+            <a:schemeClr val="accent1"/>
+          </a:fillRef>
+          <a:effectRef idx="0">
+            <a:schemeClr val="accent1"/>
+          </a:effectRef>
+          <a:fontRef idx="minor">
+            <a:schemeClr val="lt1"/>
+          </a:fontRef>
+        </p:style>
+        <p:txBody>
+          <a:bodyPr rtlCol="0" anchor="ctr"/>
+          <a:lstStyle/>
+          <a:p>
+            <a:pPr marL="0" marR="0" lvl="0" indent="0" algn="ctr" defTabSz="457200" rtl="0" eaLnBrk="1" fontAlgn="auto" latinLnBrk="0" hangingPunct="1">
+              <a:lnSpc>
+                <a:spcPct val="100000"/>
+              </a:lnSpc>
+              <a:spcBef>
+                <a:spcPts val="0"/>
+              </a:spcBef>
+              <a:spcAft>
+                <a:spcPts val="0"/>
+              </a:spcAft>
+              <a:buClrTx/>
+              <a:buSzTx/>
+              <a:buFontTx/>
+              <a:buNone/>
+              <a:tabLst/>
+              <a:defRPr/>
+            </a:pPr>
+            <a:endParaRPr kumimoji="0" lang="en-US" sz="1800" b="0" i="0" u="none" strike="noStrike" kern="1200" cap="none" spc="0" normalizeH="0" baseline="0" noProof="0">
+              <a:ln>
+                <a:noFill/>
+              </a:ln>
+              <a:solidFill>
+                <a:srgbClr val="FFFFFF"/>
+              </a:solidFill>
+              <a:effectLst/>
+              <a:uLnTx/>
+              <a:uFillTx/>
+              <a:latin typeface="Gill Sans MT" panose="020B0502020104020203"/>
+              <a:ea typeface="+mn-ea"/>
+              <a:cs typeface="+mn-cs"/>
+            </a:endParaRPr>
+          </a:p>
+        </p:txBody>
+      </p:sp>
+      <p:sp>
+        <p:nvSpPr>
+          <p:cNvPr id="10" name="Rectangle 9">
+            <a:extLst>
+              <a:ext uri="{FF2B5EF4-FFF2-40B4-BE49-F238E27FC236}">
+                <a16:creationId xmlns:a16="http://schemas.microsoft.com/office/drawing/2014/main" id="{9DA03B66-CC91-28DA-CD93-50F8BCC95C93}"/>
+              </a:ext>
+              <a:ext uri="{C183D7F6-B498-43B3-948B-1728B52AA6E4}">
+                <adec:decorative xmlns:adec="http://schemas.microsoft.com/office/drawing/2017/decorative" val="1"/>
+              </a:ext>
+            </a:extLst>
+          </p:cNvPr>
+          <p:cNvSpPr>
+            <a:spLocks noGrp="1" noRot="1" noChangeAspect="1" noMove="1" noResize="1" noEditPoints="1" noAdjustHandles="1" noChangeArrowheads="1" noChangeShapeType="1" noTextEdit="1"/>
+          </p:cNvSpPr>
+          <p:nvPr>
+            <p:extLst>
+              <p:ext uri="{386F3935-93C4-4BCD-93E2-E3B085C9AB24}">
+                <p16:designElem xmlns:p16="http://schemas.microsoft.com/office/powerpoint/2015/main" val="1"/>
+              </p:ext>
+            </p:extLst>
+          </p:nvPr>
+        </p:nvSpPr>
+        <p:spPr>
+          <a:xfrm>
+            <a:off x="1249680" y="1248156"/>
+            <a:ext cx="9692640" cy="4361688"/>
+          </a:xfrm>
+          <a:prstGeom prst="rect">
+            <a:avLst/>
+          </a:prstGeom>
+          <a:solidFill>
+            <a:srgbClr val="FFFFFF"/>
+          </a:solidFill>
+          <a:ln>
+            <a:noFill/>
+          </a:ln>
+        </p:spPr>
+        <p:style>
+          <a:lnRef idx="2">
+            <a:schemeClr val="accent1">
+              <a:shade val="50000"/>
+            </a:schemeClr>
+          </a:lnRef>
+          <a:fillRef idx="1">
+            <a:schemeClr val="accent1"/>
+          </a:fillRef>
+          <a:effectRef idx="0">
+            <a:schemeClr val="accent1"/>
+          </a:effectRef>
+          <a:fontRef idx="minor">
+            <a:schemeClr val="lt1"/>
+          </a:fontRef>
+        </p:style>
+        <p:txBody>
+          <a:bodyPr rtlCol="0" anchor="ctr"/>
+          <a:lstStyle/>
+          <a:p>
+            <a:pPr marL="0" marR="0" lvl="0" indent="0" algn="ctr" defTabSz="457200" rtl="0" eaLnBrk="1" fontAlgn="auto" latinLnBrk="0" hangingPunct="1">
+              <a:lnSpc>
+                <a:spcPct val="100000"/>
+              </a:lnSpc>
+              <a:spcBef>
+                <a:spcPts val="0"/>
+              </a:spcBef>
+              <a:spcAft>
+                <a:spcPts val="0"/>
+              </a:spcAft>
+              <a:buClrTx/>
+              <a:buSzTx/>
+              <a:buFontTx/>
+              <a:buNone/>
+              <a:tabLst/>
+              <a:defRPr/>
+            </a:pPr>
+            <a:endParaRPr kumimoji="0" lang="en-US" sz="1800" b="0" i="0" u="none" strike="noStrike" kern="1200" cap="none" spc="0" normalizeH="0" baseline="0" noProof="0">
+              <a:ln>
+                <a:noFill/>
+              </a:ln>
+              <a:solidFill>
+                <a:srgbClr val="FFFFFF"/>
+              </a:solidFill>
+              <a:effectLst/>
+              <a:uLnTx/>
+              <a:uFillTx/>
+              <a:latin typeface="Gill Sans MT" panose="020B0502020104020203"/>
+              <a:ea typeface="+mn-ea"/>
+              <a:cs typeface="+mn-cs"/>
+            </a:endParaRPr>
+          </a:p>
+        </p:txBody>
+      </p:sp>
+      <p:sp>
+        <p:nvSpPr>
+          <p:cNvPr id="12" name="Rectangle 11">
+            <a:extLst>
+              <a:ext uri="{FF2B5EF4-FFF2-40B4-BE49-F238E27FC236}">
+                <a16:creationId xmlns:a16="http://schemas.microsoft.com/office/drawing/2014/main" id="{2C7271A1-6155-5731-8359-52A3F101CE76}"/>
+              </a:ext>
+              <a:ext uri="{C183D7F6-B498-43B3-948B-1728B52AA6E4}">
+                <adec:decorative xmlns:adec="http://schemas.microsoft.com/office/drawing/2017/decorative" val="1"/>
+              </a:ext>
+            </a:extLst>
+          </p:cNvPr>
+          <p:cNvSpPr>
+            <a:spLocks noGrp="1" noRot="1" noChangeAspect="1" noMove="1" noResize="1" noEditPoints="1" noAdjustHandles="1" noChangeArrowheads="1" noChangeShapeType="1" noTextEdit="1"/>
+          </p:cNvSpPr>
+          <p:nvPr>
+            <p:extLst>
+              <p:ext uri="{386F3935-93C4-4BCD-93E2-E3B085C9AB24}">
+                <p16:designElem xmlns:p16="http://schemas.microsoft.com/office/powerpoint/2015/main" val="1"/>
+              </p:ext>
+            </p:extLst>
+          </p:nvPr>
+        </p:nvSpPr>
+        <p:spPr>
+          <a:xfrm>
+            <a:off x="1062228" y="1060704"/>
+            <a:ext cx="10067544" cy="4736592"/>
+          </a:xfrm>
+          <a:prstGeom prst="rect">
+            <a:avLst/>
+          </a:prstGeom>
+          <a:noFill/>
+          <a:ln w="31750" cap="sq">
+            <a:solidFill>
+              <a:srgbClr val="FFFFFF"/>
+            </a:solidFill>
+            <a:miter lim="800000"/>
+          </a:ln>
+        </p:spPr>
+        <p:style>
+          <a:lnRef idx="2">
+            <a:schemeClr val="accent1">
+              <a:shade val="50000"/>
+            </a:schemeClr>
+          </a:lnRef>
+          <a:fillRef idx="1">
+            <a:schemeClr val="accent1"/>
+          </a:fillRef>
+          <a:effectRef idx="0">
+            <a:schemeClr val="accent1"/>
+          </a:effectRef>
+          <a:fontRef idx="minor">
+            <a:schemeClr val="lt1"/>
+          </a:fontRef>
+        </p:style>
+        <p:txBody>
+          <a:bodyPr rtlCol="0" anchor="ctr"/>
+          <a:lstStyle/>
+          <a:p>
+            <a:pPr marL="0" marR="0" lvl="0" indent="0" algn="ctr" defTabSz="457200" rtl="0" eaLnBrk="1" fontAlgn="auto" latinLnBrk="0" hangingPunct="1">
+              <a:lnSpc>
+                <a:spcPct val="100000"/>
+              </a:lnSpc>
+              <a:spcBef>
+                <a:spcPts val="0"/>
+              </a:spcBef>
+              <a:spcAft>
+                <a:spcPts val="0"/>
+              </a:spcAft>
+              <a:buClrTx/>
+              <a:buSzTx/>
+              <a:buFontTx/>
+              <a:buNone/>
+              <a:tabLst/>
+              <a:defRPr/>
+            </a:pPr>
+            <a:endParaRPr kumimoji="0" lang="en-US" sz="1800" b="0" i="0" u="none" strike="noStrike" kern="1200" cap="none" spc="0" normalizeH="0" baseline="0" noProof="0">
+              <a:ln>
+                <a:noFill/>
+              </a:ln>
+              <a:solidFill>
+                <a:srgbClr val="FFFFFF"/>
+              </a:solidFill>
+              <a:effectLst/>
+              <a:uLnTx/>
+              <a:uFillTx/>
+              <a:latin typeface="Gill Sans MT" panose="020B0502020104020203"/>
+              <a:ea typeface="+mn-ea"/>
+              <a:cs typeface="+mn-cs"/>
+            </a:endParaRPr>
+          </a:p>
+        </p:txBody>
+      </p:sp>
+      <p:sp>
+        <p:nvSpPr>
+          <p:cNvPr id="2" name="タイトル 1">
+            <a:extLst>
+              <a:ext uri="{FF2B5EF4-FFF2-40B4-BE49-F238E27FC236}">
+                <a16:creationId xmlns:a16="http://schemas.microsoft.com/office/drawing/2014/main" id="{EB0A72B0-E2A4-A2B9-3260-A87D35B7ABA1}"/>
+              </a:ext>
+            </a:extLst>
+          </p:cNvPr>
+          <p:cNvSpPr>
+            <a:spLocks noGrp="1"/>
+          </p:cNvSpPr>
+          <p:nvPr>
+            <p:ph type="title"/>
+          </p:nvPr>
+        </p:nvSpPr>
+        <p:spPr>
+          <a:xfrm>
+            <a:off x="2231136" y="467418"/>
+            <a:ext cx="7729728" cy="1188720"/>
+          </a:xfrm>
+          <a:solidFill>
+            <a:srgbClr val="FFFFFF"/>
+          </a:solidFill>
+        </p:spPr>
+        <p:txBody>
+          <a:bodyPr>
+            <a:normAutofit/>
+          </a:bodyPr>
+          <a:lstStyle/>
+          <a:p>
+            <a:r>
+              <a:rPr kumimoji="1" lang="ja-JP" altLang="en-US" dirty="0"/>
+              <a:t>今後の展望</a:t>
+            </a:r>
+          </a:p>
+        </p:txBody>
+      </p:sp>
+      <p:sp>
+        <p:nvSpPr>
+          <p:cNvPr id="3" name="コンテンツ プレースホルダー 2">
+            <a:extLst>
+              <a:ext uri="{FF2B5EF4-FFF2-40B4-BE49-F238E27FC236}">
+                <a16:creationId xmlns:a16="http://schemas.microsoft.com/office/drawing/2014/main" id="{D770843F-27CB-9F96-4770-176237777BE3}"/>
+              </a:ext>
+            </a:extLst>
+          </p:cNvPr>
+          <p:cNvSpPr>
+            <a:spLocks noGrp="1"/>
+          </p:cNvSpPr>
+          <p:nvPr>
+            <p:ph idx="1"/>
+          </p:nvPr>
+        </p:nvSpPr>
+        <p:spPr>
+          <a:xfrm>
+            <a:off x="1706062" y="2291262"/>
+            <a:ext cx="8779512" cy="2879256"/>
+          </a:xfrm>
+        </p:spPr>
+        <p:txBody>
+          <a:bodyPr>
+            <a:normAutofit/>
+          </a:bodyPr>
+          <a:lstStyle/>
+          <a:p>
+            <a:pPr marL="0" indent="0">
+              <a:buNone/>
+            </a:pPr>
+            <a:r>
+              <a:rPr lang="ja-JP" altLang="en-US" dirty="0">
+                <a:solidFill>
+                  <a:srgbClr val="404040"/>
+                </a:solidFill>
+              </a:rPr>
+              <a:t>・</a:t>
+            </a:r>
+            <a:r>
+              <a:rPr lang="en-US" altLang="ja-JP" dirty="0">
+                <a:solidFill>
+                  <a:srgbClr val="404040"/>
+                </a:solidFill>
+              </a:rPr>
+              <a:t> Java</a:t>
+            </a:r>
+            <a:r>
+              <a:rPr lang="ja-JP" altLang="en-US" dirty="0">
+                <a:solidFill>
+                  <a:srgbClr val="404040"/>
+                </a:solidFill>
+              </a:rPr>
+              <a:t>を使った作品を作ってみたいです。</a:t>
+            </a:r>
+            <a:endParaRPr kumimoji="1" lang="en-US" altLang="ja-JP" dirty="0">
+              <a:solidFill>
+                <a:srgbClr val="404040"/>
+              </a:solidFill>
+            </a:endParaRPr>
+          </a:p>
+        </p:txBody>
+      </p:sp>
+    </p:spTree>
+    <p:extLst>
+      <p:ext uri="{BB962C8B-B14F-4D97-AF65-F5344CB8AC3E}">
+        <p14:creationId xmlns:p14="http://schemas.microsoft.com/office/powerpoint/2010/main" val="7490695"/>
       </p:ext>
     </p:extLst>
   </p:cSld>
